--- a/sample_poster.pptx
+++ b/sample_poster.pptx
@@ -1395,7 +1395,7 @@
           <a:p>
             <a:fld id="{E695B7AD-C0E4-4106-98F1-A426950388A1}" type="datetimeFigureOut">
               <a:rPr lang="en-US" smtClean="0"/>
-              <a:t>12/1/2019</a:t>
+              <a:t>12/3/2019</a:t>
             </a:fld>
             <a:endParaRPr lang="en-US"/>
           </a:p>
@@ -2116,11 +2116,7 @@
             </a:pPr>
             <a:r>
               <a:rPr lang="en-US" sz="8700" dirty="0" smtClean="0"/>
-              <a:t>Features</a:t>
-            </a:r>
-            <a:r>
-              <a:rPr lang="en-US" sz="8700" dirty="0" smtClean="0"/>
-              <a:t>:</a:t>
+              <a:t>Features:</a:t>
             </a:r>
             <a:endParaRPr lang="en-US" sz="8700" dirty="0"/>
           </a:p>
@@ -2146,7 +2142,6 @@
               <a:rPr lang="en-US" sz="7300" dirty="0" smtClean="0"/>
               <a:t>Grade</a:t>
             </a:r>
-            <a:endParaRPr lang="en-US" sz="7300" dirty="0" smtClean="0"/>
           </a:p>
           <a:p>
             <a:pPr marL="857250" indent="-857250">
@@ -2332,21 +2327,12 @@
           <a:p>
             <a:pPr algn="ctr"/>
             <a:r>
-              <a:rPr lang="en-US" sz="6000" dirty="0" err="1"/>
-              <a:t>nwmostate</a:t>
-            </a:r>
-            <a:r>
-              <a:rPr lang="en-US" sz="6000" dirty="0"/>
-              <a:t>/</a:t>
-            </a:r>
-            <a:r>
-              <a:rPr lang="en-US" sz="6000" dirty="0" err="1"/>
-              <a:t>csis</a:t>
-            </a:r>
-            <a:r>
-              <a:rPr lang="en-US" sz="6000" dirty="0"/>
-              <a:t>-poster-templates</a:t>
-            </a:r>
+              <a:rPr lang="en-US" sz="6000" dirty="0">
+                <a:hlinkClick r:id="rId2"/>
+              </a:rPr>
+              <a:t>https://github.com/aakashvalluru/Mlposterpresentation</a:t>
+            </a:r>
+            <a:endParaRPr lang="en-US" sz="6000" dirty="0"/>
           </a:p>
         </p:txBody>
       </p:sp>
@@ -2778,7 +2764,7 @@
           <p:nvPr/>
         </p:nvPicPr>
         <p:blipFill>
-          <a:blip r:embed="rId2">
+          <a:blip r:embed="rId3">
             <a:extLst>
               <a:ext uri="{28A0092B-C50C-407E-A947-70E740481C1C}">
                 <a14:useLocalDpi xmlns:a14="http://schemas.microsoft.com/office/drawing/2010/main" val="0"/>
@@ -2791,7 +2777,7 @@
         </p:blipFill>
         <p:spPr>
           <a:xfrm>
-            <a:off x="35834364" y="29462184"/>
+            <a:off x="35834364" y="29037403"/>
             <a:ext cx="4644988" cy="1904446"/>
           </a:xfrm>
           <a:prstGeom prst="rect">
@@ -2808,7 +2794,7 @@
           <p:nvPr/>
         </p:nvPicPr>
         <p:blipFill>
-          <a:blip r:embed="rId3">
+          <a:blip r:embed="rId4">
             <a:extLst>
               <a:ext uri="{28A0092B-C50C-407E-A947-70E740481C1C}">
                 <a14:useLocalDpi xmlns:a14="http://schemas.microsoft.com/office/drawing/2010/main" val="0"/>
@@ -2838,7 +2824,7 @@
           <p:nvPr/>
         </p:nvPicPr>
         <p:blipFill>
-          <a:blip r:embed="rId4">
+          <a:blip r:embed="rId5">
             <a:extLst>
               <a:ext uri="{28A0092B-C50C-407E-A947-70E740481C1C}">
                 <a14:useLocalDpi xmlns:a14="http://schemas.microsoft.com/office/drawing/2010/main" val="0"/>
@@ -2955,7 +2941,7 @@
           <p:nvPr/>
         </p:nvPicPr>
         <p:blipFill>
-          <a:blip r:embed="rId5">
+          <a:blip r:embed="rId6">
             <a:extLst>
               <a:ext uri="{28A0092B-C50C-407E-A947-70E740481C1C}">
                 <a14:useLocalDpi xmlns:a14="http://schemas.microsoft.com/office/drawing/2010/main" val="0"/>

--- a/sample_poster.pptx
+++ b/sample_poster.pptx
@@ -1885,7 +1885,15 @@
             </a:pPr>
             <a:r>
               <a:rPr lang="en-US" dirty="0" smtClean="0"/>
-              <a:t>The data in my dataset is continuous so I used linear regression to predict the final Price with an accuracy of 90 percent.</a:t>
+              <a:t>The data in my dataset is continuous so I used linear regression to predict the final Price with an accuracy of </a:t>
+            </a:r>
+            <a:r>
+              <a:rPr lang="en-US" dirty="0" smtClean="0"/>
+              <a:t>80 </a:t>
+            </a:r>
+            <a:r>
+              <a:rPr lang="en-US" dirty="0" smtClean="0"/>
+              <a:t>percent.</a:t>
             </a:r>
           </a:p>
           <a:p>
